--- a/alluxio/ArC.pptx
+++ b/alluxio/ArC.pptx
@@ -108,6 +108,22 @@
       </a:defRPr>
     </a:lvl9pPr>
   </p:defaultTextStyle>
+  <p:extLst>
+    <p:ext uri="{EFAFB233-063F-42B5-8137-9DF3F51BA10A}">
+      <p15:sldGuideLst xmlns:p15="http://schemas.microsoft.com/office/powerpoint/2012/main">
+        <p15:guide id="1" orient="horz" pos="2160">
+          <p15:clr>
+            <a:srgbClr val="A4A3A4"/>
+          </p15:clr>
+        </p15:guide>
+        <p15:guide id="2" pos="2880">
+          <p15:clr>
+            <a:srgbClr val="A4A3A4"/>
+          </p15:clr>
+        </p15:guide>
+      </p15:sldGuideLst>
+    </p:ext>
+  </p:extLst>
 </p:presentation>
 </file>
 
@@ -292,7 +308,7 @@
           <a:p>
             <a:fld id="{530820CF-B880-4189-942D-D702A7CBA730}" type="datetimeFigureOut">
               <a:rPr lang="zh-CN" altLang="en-US" smtClean="0"/>
-              <a:t>2017/5/21</a:t>
+              <a:t>2017/5/23</a:t>
             </a:fld>
             <a:endParaRPr lang="zh-CN" altLang="en-US"/>
           </a:p>
@@ -457,7 +473,7 @@
           <a:p>
             <a:fld id="{530820CF-B880-4189-942D-D702A7CBA730}" type="datetimeFigureOut">
               <a:rPr lang="zh-CN" altLang="en-US" smtClean="0"/>
-              <a:t>2017/5/21</a:t>
+              <a:t>2017/5/23</a:t>
             </a:fld>
             <a:endParaRPr lang="zh-CN" altLang="en-US"/>
           </a:p>
@@ -632,7 +648,7 @@
           <a:p>
             <a:fld id="{530820CF-B880-4189-942D-D702A7CBA730}" type="datetimeFigureOut">
               <a:rPr lang="zh-CN" altLang="en-US" smtClean="0"/>
-              <a:t>2017/5/21</a:t>
+              <a:t>2017/5/23</a:t>
             </a:fld>
             <a:endParaRPr lang="zh-CN" altLang="en-US"/>
           </a:p>
@@ -797,7 +813,7 @@
           <a:p>
             <a:fld id="{530820CF-B880-4189-942D-D702A7CBA730}" type="datetimeFigureOut">
               <a:rPr lang="zh-CN" altLang="en-US" smtClean="0"/>
-              <a:t>2017/5/21</a:t>
+              <a:t>2017/5/23</a:t>
             </a:fld>
             <a:endParaRPr lang="zh-CN" altLang="en-US"/>
           </a:p>
@@ -1038,7 +1054,7 @@
           <a:p>
             <a:fld id="{530820CF-B880-4189-942D-D702A7CBA730}" type="datetimeFigureOut">
               <a:rPr lang="zh-CN" altLang="en-US" smtClean="0"/>
-              <a:t>2017/5/21</a:t>
+              <a:t>2017/5/23</a:t>
             </a:fld>
             <a:endParaRPr lang="zh-CN" altLang="en-US"/>
           </a:p>
@@ -1321,7 +1337,7 @@
           <a:p>
             <a:fld id="{530820CF-B880-4189-942D-D702A7CBA730}" type="datetimeFigureOut">
               <a:rPr lang="zh-CN" altLang="en-US" smtClean="0"/>
-              <a:t>2017/5/21</a:t>
+              <a:t>2017/5/23</a:t>
             </a:fld>
             <a:endParaRPr lang="zh-CN" altLang="en-US"/>
           </a:p>
@@ -1738,7 +1754,7 @@
           <a:p>
             <a:fld id="{530820CF-B880-4189-942D-D702A7CBA730}" type="datetimeFigureOut">
               <a:rPr lang="zh-CN" altLang="en-US" smtClean="0"/>
-              <a:t>2017/5/21</a:t>
+              <a:t>2017/5/23</a:t>
             </a:fld>
             <a:endParaRPr lang="zh-CN" altLang="en-US"/>
           </a:p>
@@ -1851,7 +1867,7 @@
           <a:p>
             <a:fld id="{530820CF-B880-4189-942D-D702A7CBA730}" type="datetimeFigureOut">
               <a:rPr lang="zh-CN" altLang="en-US" smtClean="0"/>
-              <a:t>2017/5/21</a:t>
+              <a:t>2017/5/23</a:t>
             </a:fld>
             <a:endParaRPr lang="zh-CN" altLang="en-US"/>
           </a:p>
@@ -1941,7 +1957,7 @@
           <a:p>
             <a:fld id="{530820CF-B880-4189-942D-D702A7CBA730}" type="datetimeFigureOut">
               <a:rPr lang="zh-CN" altLang="en-US" smtClean="0"/>
-              <a:t>2017/5/21</a:t>
+              <a:t>2017/5/23</a:t>
             </a:fld>
             <a:endParaRPr lang="zh-CN" altLang="en-US"/>
           </a:p>
@@ -2213,7 +2229,7 @@
           <a:p>
             <a:fld id="{530820CF-B880-4189-942D-D702A7CBA730}" type="datetimeFigureOut">
               <a:rPr lang="zh-CN" altLang="en-US" smtClean="0"/>
-              <a:t>2017/5/21</a:t>
+              <a:t>2017/5/23</a:t>
             </a:fld>
             <a:endParaRPr lang="zh-CN" altLang="en-US"/>
           </a:p>
@@ -2461,7 +2477,7 @@
           <a:p>
             <a:fld id="{530820CF-B880-4189-942D-D702A7CBA730}" type="datetimeFigureOut">
               <a:rPr lang="zh-CN" altLang="en-US" smtClean="0"/>
-              <a:t>2017/5/21</a:t>
+              <a:t>2017/5/23</a:t>
             </a:fld>
             <a:endParaRPr lang="zh-CN" altLang="en-US"/>
           </a:p>
@@ -2669,7 +2685,7 @@
           <a:p>
             <a:fld id="{530820CF-B880-4189-942D-D702A7CBA730}" type="datetimeFigureOut">
               <a:rPr lang="zh-CN" altLang="en-US" smtClean="0"/>
-              <a:t>2017/5/21</a:t>
+              <a:t>2017/5/23</a:t>
             </a:fld>
             <a:endParaRPr lang="zh-CN" altLang="en-US"/>
           </a:p>
@@ -3155,367 +3171,385 @@
       </p:sp>
       <p:grpSp>
         <p:nvGrpSpPr>
-          <p:cNvPr id="68" name="组合 67"/>
+          <p:cNvPr id="40" name="组 39"/>
           <p:cNvGrpSpPr/>
           <p:nvPr/>
         </p:nvGrpSpPr>
         <p:grpSpPr>
           <a:xfrm>
-            <a:off x="981242" y="1916832"/>
-            <a:ext cx="6831117" cy="2820361"/>
-            <a:chOff x="2067634" y="1571722"/>
-            <a:chExt cx="4510906" cy="3178309"/>
+            <a:off x="1043608" y="1804978"/>
+            <a:ext cx="6831117" cy="3107750"/>
+            <a:chOff x="1043608" y="1804978"/>
+            <a:chExt cx="6831117" cy="3107750"/>
           </a:xfrm>
         </p:grpSpPr>
         <p:grpSp>
           <p:nvGrpSpPr>
-            <p:cNvPr id="4" name="组合 3"/>
+            <p:cNvPr id="68" name="组合 67"/>
             <p:cNvGrpSpPr/>
             <p:nvPr/>
           </p:nvGrpSpPr>
           <p:grpSpPr>
             <a:xfrm>
-              <a:off x="2067634" y="1571722"/>
-              <a:ext cx="4510906" cy="3178309"/>
-              <a:chOff x="3268733" y="1628798"/>
-              <a:chExt cx="4510906" cy="3178309"/>
+              <a:off x="1043608" y="1804978"/>
+              <a:ext cx="6831117" cy="3107750"/>
+              <a:chOff x="2067634" y="1247859"/>
+              <a:chExt cx="4510906" cy="3502172"/>
             </a:xfrm>
           </p:grpSpPr>
-          <p:sp>
-            <p:nvSpPr>
-              <p:cNvPr id="6" name="矩形 5"/>
-              <p:cNvSpPr/>
+          <p:grpSp>
+            <p:nvGrpSpPr>
+              <p:cNvPr id="4" name="组合 3"/>
+              <p:cNvGrpSpPr/>
               <p:nvPr/>
-            </p:nvSpPr>
-            <p:spPr>
+            </p:nvGrpSpPr>
+            <p:grpSpPr>
               <a:xfrm>
-                <a:off x="3268733" y="2400853"/>
-                <a:ext cx="4510906" cy="602495"/>
+                <a:off x="2067634" y="1247859"/>
+                <a:ext cx="4510906" cy="3502172"/>
+                <a:chOff x="3268733" y="1304935"/>
+                <a:chExt cx="4510906" cy="3502172"/>
               </a:xfrm>
-              <a:prstGeom prst="rect">
-                <a:avLst/>
-              </a:prstGeom>
-            </p:spPr>
-            <p:style>
-              <a:lnRef idx="2">
-                <a:schemeClr val="accent1">
-                  <a:shade val="50000"/>
-                </a:schemeClr>
-              </a:lnRef>
-              <a:fillRef idx="1">
-                <a:schemeClr val="accent1"/>
-              </a:fillRef>
-              <a:effectRef idx="0">
-                <a:schemeClr val="accent1"/>
-              </a:effectRef>
-              <a:fontRef idx="minor">
-                <a:schemeClr val="lt1"/>
-              </a:fontRef>
-            </p:style>
-            <p:txBody>
-              <a:bodyPr rtlCol="0" anchor="ctr"/>
-              <a:lstStyle/>
-              <a:p>
-                <a:pPr algn="ctr"/>
-                <a:r>
-                  <a:rPr lang="en-US" altLang="zh-CN" dirty="0" smtClean="0"/>
-                  <a:t>ALLUXIO</a:t>
-                </a:r>
-                <a:endParaRPr lang="zh-CN" altLang="en-US" dirty="0"/>
-              </a:p>
-            </p:txBody>
-          </p:sp>
-          <p:sp>
-            <p:nvSpPr>
-              <p:cNvPr id="7" name="矩形 6"/>
-              <p:cNvSpPr/>
-              <p:nvPr/>
-            </p:nvSpPr>
-            <p:spPr>
-              <a:xfrm>
-                <a:off x="3357101" y="3897715"/>
-                <a:ext cx="1303267" cy="540060"/>
-              </a:xfrm>
-              <a:prstGeom prst="rect">
-                <a:avLst/>
-              </a:prstGeom>
-              <a:ln>
-                <a:solidFill>
-                  <a:schemeClr val="bg1"/>
-                </a:solidFill>
-              </a:ln>
-            </p:spPr>
-            <p:style>
-              <a:lnRef idx="2">
-                <a:schemeClr val="accent6">
-                  <a:shade val="50000"/>
-                </a:schemeClr>
-              </a:lnRef>
-              <a:fillRef idx="1">
-                <a:schemeClr val="accent6"/>
-              </a:fillRef>
-              <a:effectRef idx="0">
-                <a:schemeClr val="accent6"/>
-              </a:effectRef>
-              <a:fontRef idx="minor">
-                <a:schemeClr val="lt1"/>
-              </a:fontRef>
-            </p:style>
-            <p:txBody>
-              <a:bodyPr rtlCol="0" anchor="ctr"/>
-              <a:lstStyle/>
-              <a:p>
-                <a:pPr algn="ctr"/>
-                <a:r>
-                  <a:rPr lang="en-US" altLang="zh-CN" dirty="0" smtClean="0"/>
-                  <a:t>HDFS C1</a:t>
-                </a:r>
-                <a:endParaRPr lang="zh-CN" altLang="en-US" dirty="0"/>
-              </a:p>
-            </p:txBody>
-          </p:sp>
-          <p:sp>
-            <p:nvSpPr>
-              <p:cNvPr id="8" name="矩形 7"/>
-              <p:cNvSpPr/>
-              <p:nvPr/>
-            </p:nvSpPr>
-            <p:spPr>
-              <a:xfrm>
-                <a:off x="4860032" y="3897715"/>
-                <a:ext cx="1303267" cy="540060"/>
-              </a:xfrm>
-              <a:prstGeom prst="rect">
-                <a:avLst/>
-              </a:prstGeom>
-              <a:ln>
-                <a:solidFill>
-                  <a:schemeClr val="bg1"/>
-                </a:solidFill>
-              </a:ln>
-            </p:spPr>
-            <p:style>
-              <a:lnRef idx="2">
-                <a:schemeClr val="accent6">
-                  <a:shade val="50000"/>
-                </a:schemeClr>
-              </a:lnRef>
-              <a:fillRef idx="1">
-                <a:schemeClr val="accent6"/>
-              </a:fillRef>
-              <a:effectRef idx="0">
-                <a:schemeClr val="accent6"/>
-              </a:effectRef>
-              <a:fontRef idx="minor">
-                <a:schemeClr val="lt1"/>
-              </a:fontRef>
-            </p:style>
-            <p:txBody>
-              <a:bodyPr rtlCol="0" anchor="ctr"/>
-              <a:lstStyle/>
-              <a:p>
-                <a:pPr algn="ctr"/>
-                <a:r>
-                  <a:rPr lang="en-US" altLang="zh-CN" dirty="0" smtClean="0"/>
-                  <a:t>HDFS C2</a:t>
-                </a:r>
-                <a:endParaRPr lang="zh-CN" altLang="en-US" dirty="0"/>
-              </a:p>
-            </p:txBody>
-          </p:sp>
-          <p:sp>
-            <p:nvSpPr>
-              <p:cNvPr id="9" name="矩形 8"/>
-              <p:cNvSpPr/>
-              <p:nvPr/>
-            </p:nvSpPr>
-            <p:spPr>
-              <a:xfrm>
-                <a:off x="6372200" y="3897715"/>
-                <a:ext cx="1303267" cy="540060"/>
-              </a:xfrm>
-              <a:prstGeom prst="rect">
-                <a:avLst/>
-              </a:prstGeom>
-              <a:ln>
-                <a:solidFill>
-                  <a:schemeClr val="bg1"/>
-                </a:solidFill>
-              </a:ln>
-            </p:spPr>
-            <p:style>
-              <a:lnRef idx="2">
-                <a:schemeClr val="accent6">
-                  <a:shade val="50000"/>
-                </a:schemeClr>
-              </a:lnRef>
-              <a:fillRef idx="1">
-                <a:schemeClr val="accent6"/>
-              </a:fillRef>
-              <a:effectRef idx="0">
-                <a:schemeClr val="accent6"/>
-              </a:effectRef>
-              <a:fontRef idx="minor">
-                <a:schemeClr val="lt1"/>
-              </a:fontRef>
-            </p:style>
-            <p:txBody>
-              <a:bodyPr rtlCol="0" anchor="ctr"/>
-              <a:lstStyle/>
-              <a:p>
-                <a:pPr algn="ctr"/>
-                <a:r>
-                  <a:rPr lang="en-US" altLang="zh-CN" dirty="0" smtClean="0"/>
-                  <a:t>HDFS C3</a:t>
-                </a:r>
-                <a:endParaRPr lang="zh-CN" altLang="en-US" dirty="0"/>
-              </a:p>
-            </p:txBody>
-          </p:sp>
-          <p:sp>
-            <p:nvSpPr>
-              <p:cNvPr id="10" name="矩形 9"/>
-              <p:cNvSpPr/>
-              <p:nvPr/>
-            </p:nvSpPr>
-            <p:spPr>
-              <a:xfrm>
-                <a:off x="4195389" y="1628798"/>
-                <a:ext cx="2657593" cy="468715"/>
-              </a:xfrm>
-              <a:prstGeom prst="rect">
-                <a:avLst/>
-              </a:prstGeom>
-            </p:spPr>
-            <p:style>
-              <a:lnRef idx="2">
-                <a:schemeClr val="accent6">
-                  <a:shade val="50000"/>
-                </a:schemeClr>
-              </a:lnRef>
-              <a:fillRef idx="1">
-                <a:schemeClr val="accent6"/>
-              </a:fillRef>
-              <a:effectRef idx="0">
-                <a:schemeClr val="accent6"/>
-              </a:effectRef>
-              <a:fontRef idx="minor">
-                <a:schemeClr val="lt1"/>
-              </a:fontRef>
-            </p:style>
-            <p:txBody>
-              <a:bodyPr vert="horz" rtlCol="0" anchor="ctr"/>
-              <a:lstStyle/>
-              <a:p>
-                <a:pPr algn="ctr"/>
-                <a:r>
-                  <a:rPr lang="en-US" altLang="zh-CN" sz="1200" dirty="0" smtClean="0"/>
-                  <a:t>HDFS Client</a:t>
-                </a:r>
-                <a:endParaRPr lang="zh-CN" altLang="en-US" sz="1200" dirty="0"/>
-              </a:p>
-            </p:txBody>
-          </p:sp>
-          <p:sp>
-            <p:nvSpPr>
-              <p:cNvPr id="13" name="矩形 12"/>
-              <p:cNvSpPr/>
-              <p:nvPr/>
-            </p:nvSpPr>
-            <p:spPr>
-              <a:xfrm>
-                <a:off x="3268733" y="3789040"/>
-                <a:ext cx="4510906" cy="1008112"/>
-              </a:xfrm>
-              <a:prstGeom prst="rect">
-                <a:avLst/>
-              </a:prstGeom>
-              <a:noFill/>
-              <a:ln>
-                <a:solidFill>
+            </p:grpSpPr>
+            <p:sp>
+              <p:nvSpPr>
+                <p:cNvPr id="6" name="矩形 5"/>
+                <p:cNvSpPr/>
+                <p:nvPr/>
+              </p:nvSpPr>
+              <p:spPr>
+                <a:xfrm>
+                  <a:off x="3268733" y="2400853"/>
+                  <a:ext cx="4510906" cy="602495"/>
+                </a:xfrm>
+                <a:prstGeom prst="rect">
+                  <a:avLst/>
+                </a:prstGeom>
+              </p:spPr>
+              <p:style>
+                <a:lnRef idx="2">
+                  <a:schemeClr val="accent1">
+                    <a:shade val="50000"/>
+                  </a:schemeClr>
+                </a:lnRef>
+                <a:fillRef idx="1">
+                  <a:schemeClr val="accent1"/>
+                </a:fillRef>
+                <a:effectRef idx="0">
+                  <a:schemeClr val="accent1"/>
+                </a:effectRef>
+                <a:fontRef idx="minor">
+                  <a:schemeClr val="lt1"/>
+                </a:fontRef>
+              </p:style>
+              <p:txBody>
+                <a:bodyPr rtlCol="0" anchor="ctr"/>
+                <a:lstStyle/>
+                <a:p>
+                  <a:pPr algn="ctr"/>
+                  <a:r>
+                    <a:rPr lang="en-US" altLang="zh-CN" dirty="0" smtClean="0"/>
+                    <a:t>ALLUXIO</a:t>
+                  </a:r>
+                  <a:endParaRPr lang="zh-CN" altLang="en-US" dirty="0"/>
+                </a:p>
+              </p:txBody>
+            </p:sp>
+            <p:sp>
+              <p:nvSpPr>
+                <p:cNvPr id="7" name="矩形 6"/>
+                <p:cNvSpPr/>
+                <p:nvPr/>
+              </p:nvSpPr>
+              <p:spPr>
+                <a:xfrm>
+                  <a:off x="3357101" y="3897715"/>
+                  <a:ext cx="1303267" cy="540060"/>
+                </a:xfrm>
+                <a:prstGeom prst="rect">
+                  <a:avLst/>
+                </a:prstGeom>
+                <a:ln>
+                  <a:solidFill>
+                    <a:schemeClr val="bg1"/>
+                  </a:solidFill>
+                </a:ln>
+              </p:spPr>
+              <p:style>
+                <a:lnRef idx="2">
                   <a:schemeClr val="accent6">
-                    <a:lumMod val="75000"/>
+                    <a:shade val="50000"/>
                   </a:schemeClr>
-                </a:solidFill>
-              </a:ln>
-            </p:spPr>
-            <p:style>
-              <a:lnRef idx="2">
-                <a:schemeClr val="accent1">
-                  <a:shade val="50000"/>
-                </a:schemeClr>
-              </a:lnRef>
-              <a:fillRef idx="1">
-                <a:schemeClr val="accent1"/>
-              </a:fillRef>
-              <a:effectRef idx="0">
-                <a:schemeClr val="accent1"/>
-              </a:effectRef>
-              <a:fontRef idx="minor">
-                <a:schemeClr val="lt1"/>
-              </a:fontRef>
-            </p:style>
-            <p:txBody>
-              <a:bodyPr rtlCol="0" anchor="ctr"/>
-              <a:lstStyle/>
-              <a:p>
-                <a:pPr algn="ctr"/>
-                <a:endParaRPr lang="zh-CN" altLang="en-US"/>
-              </a:p>
-            </p:txBody>
-          </p:sp>
-          <p:sp>
-            <p:nvSpPr>
-              <p:cNvPr id="14" name="TextBox 13"/>
-              <p:cNvSpPr txBox="1"/>
-              <p:nvPr/>
-            </p:nvSpPr>
-            <p:spPr>
-              <a:xfrm>
-                <a:off x="4981566" y="4437775"/>
-                <a:ext cx="2363465" cy="369332"/>
-              </a:xfrm>
-              <a:prstGeom prst="rect">
-                <a:avLst/>
-              </a:prstGeom>
-              <a:noFill/>
-            </p:spPr>
-            <p:txBody>
-              <a:bodyPr wrap="square" rtlCol="0">
-                <a:spAutoFit/>
-              </a:bodyPr>
-              <a:lstStyle/>
-              <a:p>
-                <a:r>
-                  <a:rPr lang="en-US" altLang="zh-CN" dirty="0" smtClean="0">
+                </a:lnRef>
+                <a:fillRef idx="1">
+                  <a:schemeClr val="accent6"/>
+                </a:fillRef>
+                <a:effectRef idx="0">
+                  <a:schemeClr val="accent6"/>
+                </a:effectRef>
+                <a:fontRef idx="minor">
+                  <a:schemeClr val="lt1"/>
+                </a:fontRef>
+              </p:style>
+              <p:txBody>
+                <a:bodyPr rtlCol="0" anchor="ctr"/>
+                <a:lstStyle/>
+                <a:p>
+                  <a:pPr algn="ctr"/>
+                  <a:r>
+                    <a:rPr lang="en-US" altLang="zh-CN" dirty="0" smtClean="0"/>
+                    <a:t>HDFS C1</a:t>
+                  </a:r>
+                  <a:endParaRPr lang="zh-CN" altLang="en-US" dirty="0"/>
+                </a:p>
+              </p:txBody>
+            </p:sp>
+            <p:sp>
+              <p:nvSpPr>
+                <p:cNvPr id="8" name="矩形 7"/>
+                <p:cNvSpPr/>
+                <p:nvPr/>
+              </p:nvSpPr>
+              <p:spPr>
+                <a:xfrm>
+                  <a:off x="4872553" y="3903445"/>
+                  <a:ext cx="1303267" cy="540060"/>
+                </a:xfrm>
+                <a:prstGeom prst="rect">
+                  <a:avLst/>
+                </a:prstGeom>
+                <a:ln>
+                  <a:solidFill>
+                    <a:schemeClr val="bg1"/>
+                  </a:solidFill>
+                </a:ln>
+              </p:spPr>
+              <p:style>
+                <a:lnRef idx="2">
+                  <a:schemeClr val="accent6">
+                    <a:shade val="50000"/>
+                  </a:schemeClr>
+                </a:lnRef>
+                <a:fillRef idx="1">
+                  <a:schemeClr val="accent6"/>
+                </a:fillRef>
+                <a:effectRef idx="0">
+                  <a:schemeClr val="accent6"/>
+                </a:effectRef>
+                <a:fontRef idx="minor">
+                  <a:schemeClr val="lt1"/>
+                </a:fontRef>
+              </p:style>
+              <p:txBody>
+                <a:bodyPr rtlCol="0" anchor="ctr"/>
+                <a:lstStyle/>
+                <a:p>
+                  <a:pPr algn="ctr"/>
+                  <a:r>
+                    <a:rPr lang="en-US" altLang="zh-CN" dirty="0" smtClean="0"/>
+                    <a:t>HDFS C2</a:t>
+                  </a:r>
+                  <a:endParaRPr lang="zh-CN" altLang="en-US" dirty="0"/>
+                </a:p>
+              </p:txBody>
+            </p:sp>
+            <p:sp>
+              <p:nvSpPr>
+                <p:cNvPr id="9" name="矩形 8"/>
+                <p:cNvSpPr/>
+                <p:nvPr/>
+              </p:nvSpPr>
+              <p:spPr>
+                <a:xfrm>
+                  <a:off x="6372200" y="3897715"/>
+                  <a:ext cx="1303267" cy="540060"/>
+                </a:xfrm>
+                <a:prstGeom prst="rect">
+                  <a:avLst/>
+                </a:prstGeom>
+                <a:ln>
+                  <a:solidFill>
+                    <a:schemeClr val="bg1"/>
+                  </a:solidFill>
+                </a:ln>
+              </p:spPr>
+              <p:style>
+                <a:lnRef idx="2">
+                  <a:schemeClr val="accent6">
+                    <a:shade val="50000"/>
+                  </a:schemeClr>
+                </a:lnRef>
+                <a:fillRef idx="1">
+                  <a:schemeClr val="accent6"/>
+                </a:fillRef>
+                <a:effectRef idx="0">
+                  <a:schemeClr val="accent6"/>
+                </a:effectRef>
+                <a:fontRef idx="minor">
+                  <a:schemeClr val="lt1"/>
+                </a:fontRef>
+              </p:style>
+              <p:txBody>
+                <a:bodyPr rtlCol="0" anchor="ctr"/>
+                <a:lstStyle/>
+                <a:p>
+                  <a:pPr algn="ctr"/>
+                  <a:r>
+                    <a:rPr lang="en-US" altLang="zh-CN" dirty="0" smtClean="0"/>
+                    <a:t>HDFS C3</a:t>
+                  </a:r>
+                  <a:endParaRPr lang="zh-CN" altLang="en-US" dirty="0"/>
+                </a:p>
+              </p:txBody>
+            </p:sp>
+            <p:sp>
+              <p:nvSpPr>
+                <p:cNvPr id="10" name="矩形 9"/>
+                <p:cNvSpPr/>
+                <p:nvPr/>
+              </p:nvSpPr>
+              <p:spPr>
+                <a:xfrm>
+                  <a:off x="4195389" y="1304935"/>
+                  <a:ext cx="2657593" cy="468715"/>
+                </a:xfrm>
+                <a:prstGeom prst="rect">
+                  <a:avLst/>
+                </a:prstGeom>
+              </p:spPr>
+              <p:style>
+                <a:lnRef idx="2">
+                  <a:schemeClr val="accent3">
+                    <a:shade val="50000"/>
+                  </a:schemeClr>
+                </a:lnRef>
+                <a:fillRef idx="1">
+                  <a:schemeClr val="accent3"/>
+                </a:fillRef>
+                <a:effectRef idx="0">
+                  <a:schemeClr val="accent3"/>
+                </a:effectRef>
+                <a:fontRef idx="minor">
+                  <a:schemeClr val="lt1"/>
+                </a:fontRef>
+              </p:style>
+              <p:txBody>
+                <a:bodyPr vert="horz" rtlCol="0" anchor="ctr"/>
+                <a:lstStyle/>
+                <a:p>
+                  <a:pPr algn="ctr"/>
+                  <a:r>
+                    <a:rPr lang="en-US" altLang="zh-CN" sz="1200" dirty="0" smtClean="0"/>
+                    <a:t>HDFS Client</a:t>
+                  </a:r>
+                  <a:endParaRPr lang="zh-CN" altLang="en-US" sz="1200" dirty="0"/>
+                </a:p>
+              </p:txBody>
+            </p:sp>
+            <p:sp>
+              <p:nvSpPr>
+                <p:cNvPr id="13" name="矩形 12"/>
+                <p:cNvSpPr/>
+                <p:nvPr/>
+              </p:nvSpPr>
+              <p:spPr>
+                <a:xfrm>
+                  <a:off x="3268733" y="3789040"/>
+                  <a:ext cx="4510906" cy="1008112"/>
+                </a:xfrm>
+                <a:prstGeom prst="rect">
+                  <a:avLst/>
+                </a:prstGeom>
+                <a:noFill/>
+                <a:ln>
+                  <a:solidFill>
+                    <a:schemeClr val="accent6">
+                      <a:lumMod val="75000"/>
+                    </a:schemeClr>
+                  </a:solidFill>
+                </a:ln>
+              </p:spPr>
+              <p:style>
+                <a:lnRef idx="2">
+                  <a:schemeClr val="accent1">
+                    <a:shade val="50000"/>
+                  </a:schemeClr>
+                </a:lnRef>
+                <a:fillRef idx="1">
+                  <a:schemeClr val="accent1"/>
+                </a:fillRef>
+                <a:effectRef idx="0">
+                  <a:schemeClr val="accent1"/>
+                </a:effectRef>
+                <a:fontRef idx="minor">
+                  <a:schemeClr val="lt1"/>
+                </a:fontRef>
+              </p:style>
+              <p:txBody>
+                <a:bodyPr rtlCol="0" anchor="ctr"/>
+                <a:lstStyle/>
+                <a:p>
+                  <a:pPr algn="ctr"/>
+                  <a:endParaRPr lang="zh-CN" altLang="en-US"/>
+                </a:p>
+              </p:txBody>
+            </p:sp>
+            <p:sp>
+              <p:nvSpPr>
+                <p:cNvPr id="14" name="TextBox 13"/>
+                <p:cNvSpPr txBox="1"/>
+                <p:nvPr/>
+              </p:nvSpPr>
+              <p:spPr>
+                <a:xfrm>
+                  <a:off x="4981566" y="4437775"/>
+                  <a:ext cx="2363465" cy="369332"/>
+                </a:xfrm>
+                <a:prstGeom prst="rect">
+                  <a:avLst/>
+                </a:prstGeom>
+                <a:noFill/>
+              </p:spPr>
+              <p:txBody>
+                <a:bodyPr wrap="square" rtlCol="0">
+                  <a:spAutoFit/>
+                </a:bodyPr>
+                <a:lstStyle/>
+                <a:p>
+                  <a:r>
+                    <a:rPr lang="en-US" altLang="zh-CN" dirty="0" smtClean="0">
+                      <a:solidFill>
+                        <a:schemeClr val="accent6">
+                          <a:lumMod val="75000"/>
+                        </a:schemeClr>
+                      </a:solidFill>
+                    </a:rPr>
+                    <a:t>Multi HDFS Cluster</a:t>
+                  </a:r>
+                  <a:endParaRPr lang="zh-CN" altLang="en-US" dirty="0">
                     <a:solidFill>
                       <a:schemeClr val="accent6">
                         <a:lumMod val="75000"/>
                       </a:schemeClr>
                     </a:solidFill>
-                  </a:rPr>
-                  <a:t>Multi HDFS Cluster</a:t>
-                </a:r>
-                <a:endParaRPr lang="zh-CN" altLang="en-US" dirty="0">
-                  <a:solidFill>
-                    <a:schemeClr val="accent6">
-                      <a:lumMod val="75000"/>
-                    </a:schemeClr>
-                  </a:solidFill>
-                </a:endParaRPr>
-              </a:p>
-            </p:txBody>
-          </p:sp>
+                  </a:endParaRPr>
+                </a:p>
+              </p:txBody>
+            </p:sp>
+          </p:grpSp>
           <p:cxnSp>
             <p:nvCxnSpPr>
-              <p:cNvPr id="17" name="直接箭头连接符 16"/>
-              <p:cNvCxnSpPr/>
+              <p:cNvPr id="24" name="直接箭头连接符 23"/>
+              <p:cNvCxnSpPr>
+                <a:stCxn id="10" idx="2"/>
+                <a:endCxn id="6" idx="0"/>
+              </p:cNvCxnSpPr>
               <p:nvPr/>
             </p:nvCxnSpPr>
             <p:spPr>
-              <a:xfrm flipH="1" flipV="1">
-                <a:off x="5237851" y="3003348"/>
-                <a:ext cx="10685" cy="894367"/>
+              <a:xfrm>
+                <a:off x="4323087" y="1716574"/>
+                <a:ext cx="1" cy="627203"/>
               </a:xfrm>
               <a:prstGeom prst="straightConnector1">
                 <a:avLst/>
@@ -3539,193 +3573,38 @@
               </a:fontRef>
             </p:style>
           </p:cxnSp>
-          <p:cxnSp>
-            <p:nvCxnSpPr>
-              <p:cNvPr id="18" name="直接箭头连接符 17"/>
-              <p:cNvCxnSpPr/>
-              <p:nvPr/>
-            </p:nvCxnSpPr>
-            <p:spPr>
-              <a:xfrm flipH="1" flipV="1">
-                <a:off x="6760703" y="3004604"/>
-                <a:ext cx="1" cy="893111"/>
-              </a:xfrm>
-              <a:prstGeom prst="straightConnector1">
-                <a:avLst/>
-              </a:prstGeom>
-              <a:ln>
-                <a:tailEnd type="arrow"/>
-              </a:ln>
-            </p:spPr>
-            <p:style>
-              <a:lnRef idx="1">
-                <a:schemeClr val="accent3"/>
-              </a:lnRef>
-              <a:fillRef idx="0">
-                <a:schemeClr val="accent3"/>
-              </a:fillRef>
-              <a:effectRef idx="0">
-                <a:schemeClr val="accent3"/>
-              </a:effectRef>
-              <a:fontRef idx="minor">
-                <a:schemeClr val="tx1"/>
-              </a:fontRef>
-            </p:style>
-          </p:cxnSp>
-          <p:sp>
-            <p:nvSpPr>
-              <p:cNvPr id="20" name="TextBox 19"/>
-              <p:cNvSpPr txBox="1"/>
-              <p:nvPr/>
-            </p:nvSpPr>
-            <p:spPr>
-              <a:xfrm>
-                <a:off x="5145896" y="3214137"/>
-                <a:ext cx="353943" cy="574903"/>
-              </a:xfrm>
-              <a:prstGeom prst="rect">
-                <a:avLst/>
-              </a:prstGeom>
-              <a:noFill/>
-            </p:spPr>
-            <p:txBody>
-              <a:bodyPr vert="eaVert" wrap="square" rtlCol="0">
-                <a:spAutoFit/>
-              </a:bodyPr>
-              <a:lstStyle/>
-              <a:p>
-                <a:r>
-                  <a:rPr lang="en-US" altLang="zh-CN" sz="1100" dirty="0" smtClean="0"/>
-                  <a:t>Mount</a:t>
-                </a:r>
-                <a:endParaRPr lang="zh-CN" altLang="en-US" sz="1100" dirty="0"/>
-              </a:p>
-            </p:txBody>
-          </p:sp>
-          <p:sp>
-            <p:nvSpPr>
-              <p:cNvPr id="21" name="TextBox 20"/>
-              <p:cNvSpPr txBox="1"/>
-              <p:nvPr/>
-            </p:nvSpPr>
-            <p:spPr>
-              <a:xfrm>
-                <a:off x="6672335" y="3214137"/>
-                <a:ext cx="353943" cy="574903"/>
-              </a:xfrm>
-              <a:prstGeom prst="rect">
-                <a:avLst/>
-              </a:prstGeom>
-              <a:noFill/>
-            </p:spPr>
-            <p:txBody>
-              <a:bodyPr vert="eaVert" wrap="square" rtlCol="0">
-                <a:spAutoFit/>
-              </a:bodyPr>
-              <a:lstStyle/>
-              <a:p>
-                <a:r>
-                  <a:rPr lang="en-US" altLang="zh-CN" sz="1100" dirty="0" smtClean="0"/>
-                  <a:t>Mount</a:t>
-                </a:r>
-                <a:endParaRPr lang="zh-CN" altLang="en-US" sz="1100" dirty="0"/>
-              </a:p>
-            </p:txBody>
-          </p:sp>
-          <p:cxnSp>
-            <p:nvCxnSpPr>
-              <p:cNvPr id="63" name="直接箭头连接符 62"/>
-              <p:cNvCxnSpPr/>
-              <p:nvPr/>
-            </p:nvCxnSpPr>
-            <p:spPr>
-              <a:xfrm flipH="1" flipV="1">
-                <a:off x="3722900" y="2986208"/>
-                <a:ext cx="10685" cy="894367"/>
-              </a:xfrm>
-              <a:prstGeom prst="straightConnector1">
-                <a:avLst/>
-              </a:prstGeom>
-              <a:ln>
-                <a:tailEnd type="arrow"/>
-              </a:ln>
-            </p:spPr>
-            <p:style>
-              <a:lnRef idx="1">
-                <a:schemeClr val="accent3"/>
-              </a:lnRef>
-              <a:fillRef idx="0">
-                <a:schemeClr val="accent3"/>
-              </a:fillRef>
-              <a:effectRef idx="0">
-                <a:schemeClr val="accent3"/>
-              </a:effectRef>
-              <a:fontRef idx="minor">
-                <a:schemeClr val="tx1"/>
-              </a:fontRef>
-            </p:style>
-          </p:cxnSp>
-          <p:sp>
-            <p:nvSpPr>
-              <p:cNvPr id="64" name="TextBox 63"/>
-              <p:cNvSpPr txBox="1"/>
-              <p:nvPr/>
-            </p:nvSpPr>
-            <p:spPr>
-              <a:xfrm>
-                <a:off x="3556613" y="3209570"/>
-                <a:ext cx="353943" cy="574903"/>
-              </a:xfrm>
-              <a:prstGeom prst="rect">
-                <a:avLst/>
-              </a:prstGeom>
-              <a:noFill/>
-            </p:spPr>
-            <p:txBody>
-              <a:bodyPr vert="eaVert" wrap="square" rtlCol="0">
-                <a:spAutoFit/>
-              </a:bodyPr>
-              <a:lstStyle/>
-              <a:p>
-                <a:r>
-                  <a:rPr lang="en-US" altLang="zh-CN" sz="1100" dirty="0" smtClean="0"/>
-                  <a:t>Mount</a:t>
-                </a:r>
-                <a:endParaRPr lang="zh-CN" altLang="en-US" sz="1100" dirty="0"/>
-              </a:p>
-            </p:txBody>
-          </p:sp>
         </p:grpSp>
         <p:cxnSp>
           <p:nvCxnSpPr>
-            <p:cNvPr id="24" name="直接箭头连接符 23"/>
+            <p:cNvPr id="32" name="直线箭头连接符 31"/>
             <p:cNvCxnSpPr>
-              <a:stCxn id="10" idx="2"/>
-              <a:endCxn id="6" idx="0"/>
+              <a:stCxn id="6" idx="2"/>
+              <a:endCxn id="7" idx="0"/>
             </p:cNvCxnSpPr>
             <p:nvPr/>
           </p:nvCxnSpPr>
           <p:spPr>
-            <a:xfrm>
-              <a:off x="4323087" y="2040437"/>
-              <a:ext cx="0" cy="303340"/>
+            <a:xfrm flipH="1">
+              <a:off x="2164234" y="3312112"/>
+              <a:ext cx="2294933" cy="793642"/>
             </a:xfrm>
             <a:prstGeom prst="straightConnector1">
               <a:avLst/>
             </a:prstGeom>
             <a:ln>
-              <a:tailEnd type="arrow"/>
+              <a:headEnd type="triangle"/>
+              <a:tailEnd type="triangle"/>
             </a:ln>
           </p:spPr>
           <p:style>
             <a:lnRef idx="1">
-              <a:schemeClr val="accent2"/>
+              <a:schemeClr val="accent1"/>
             </a:lnRef>
             <a:fillRef idx="0">
-              <a:schemeClr val="accent2"/>
+              <a:schemeClr val="accent1"/>
             </a:fillRef>
             <a:effectRef idx="0">
-              <a:schemeClr val="accent2"/>
+              <a:schemeClr val="accent1"/>
             </a:effectRef>
             <a:fontRef idx="minor">
               <a:schemeClr val="tx1"/>
@@ -3734,31 +3613,35 @@
         </p:cxnSp>
         <p:cxnSp>
           <p:nvCxnSpPr>
-            <p:cNvPr id="28" name="直接箭头连接符 27"/>
-            <p:cNvCxnSpPr/>
+            <p:cNvPr id="35" name="直线箭头连接符 34"/>
+            <p:cNvCxnSpPr>
+              <a:stCxn id="6" idx="2"/>
+              <a:endCxn id="8" idx="0"/>
+            </p:cNvCxnSpPr>
             <p:nvPr/>
           </p:nvCxnSpPr>
           <p:spPr>
             <a:xfrm>
-              <a:off x="3059832" y="2976066"/>
-              <a:ext cx="0" cy="893111"/>
+              <a:off x="4459167" y="3312112"/>
+              <a:ext cx="0" cy="798726"/>
             </a:xfrm>
             <a:prstGeom prst="straightConnector1">
               <a:avLst/>
             </a:prstGeom>
             <a:ln>
-              <a:tailEnd type="arrow"/>
+              <a:headEnd type="triangle"/>
+              <a:tailEnd type="triangle"/>
             </a:ln>
           </p:spPr>
           <p:style>
             <a:lnRef idx="1">
-              <a:schemeClr val="accent4"/>
+              <a:schemeClr val="accent1"/>
             </a:lnRef>
             <a:fillRef idx="0">
-              <a:schemeClr val="accent4"/>
+              <a:schemeClr val="accent1"/>
             </a:fillRef>
             <a:effectRef idx="0">
-              <a:schemeClr val="accent4"/>
+              <a:schemeClr val="accent1"/>
             </a:effectRef>
             <a:fontRef idx="minor">
               <a:schemeClr val="tx1"/>
@@ -3767,64 +3650,35 @@
         </p:cxnSp>
         <p:cxnSp>
           <p:nvCxnSpPr>
-            <p:cNvPr id="30" name="直接箭头连接符 29"/>
-            <p:cNvCxnSpPr/>
+            <p:cNvPr id="37" name="直线箭头连接符 36"/>
+            <p:cNvCxnSpPr>
+              <a:stCxn id="6" idx="2"/>
+              <a:endCxn id="9" idx="0"/>
+            </p:cNvCxnSpPr>
             <p:nvPr/>
           </p:nvCxnSpPr>
           <p:spPr>
             <a:xfrm>
-              <a:off x="4644008" y="2976066"/>
-              <a:ext cx="0" cy="893111"/>
+              <a:off x="4459167" y="3312112"/>
+              <a:ext cx="2270999" cy="793642"/>
             </a:xfrm>
             <a:prstGeom prst="straightConnector1">
               <a:avLst/>
             </a:prstGeom>
             <a:ln>
-              <a:tailEnd type="arrow"/>
+              <a:headEnd type="triangle"/>
+              <a:tailEnd type="triangle"/>
             </a:ln>
           </p:spPr>
           <p:style>
             <a:lnRef idx="1">
-              <a:schemeClr val="accent4"/>
+              <a:schemeClr val="accent1"/>
             </a:lnRef>
             <a:fillRef idx="0">
-              <a:schemeClr val="accent4"/>
+              <a:schemeClr val="accent1"/>
             </a:fillRef>
             <a:effectRef idx="0">
-              <a:schemeClr val="accent4"/>
-            </a:effectRef>
-            <a:fontRef idx="minor">
-              <a:schemeClr val="tx1"/>
-            </a:fontRef>
-          </p:style>
-        </p:cxnSp>
-        <p:cxnSp>
-          <p:nvCxnSpPr>
-            <p:cNvPr id="31" name="直接箭头连接符 30"/>
-            <p:cNvCxnSpPr/>
-            <p:nvPr/>
-          </p:nvCxnSpPr>
-          <p:spPr>
-            <a:xfrm>
-              <a:off x="6228184" y="2993739"/>
-              <a:ext cx="0" cy="893111"/>
-            </a:xfrm>
-            <a:prstGeom prst="straightConnector1">
-              <a:avLst/>
-            </a:prstGeom>
-            <a:ln>
-              <a:tailEnd type="arrow"/>
-            </a:ln>
-          </p:spPr>
-          <p:style>
-            <a:lnRef idx="1">
-              <a:schemeClr val="accent4"/>
-            </a:lnRef>
-            <a:fillRef idx="0">
-              <a:schemeClr val="accent4"/>
-            </a:fillRef>
-            <a:effectRef idx="0">
-              <a:schemeClr val="accent4"/>
+              <a:schemeClr val="accent1"/>
             </a:effectRef>
             <a:fontRef idx="minor">
               <a:schemeClr val="tx1"/>
@@ -3833,14 +3687,14 @@
         </p:cxnSp>
         <p:sp>
           <p:nvSpPr>
-            <p:cNvPr id="33" name="TextBox 32"/>
+            <p:cNvPr id="39" name="文本框 38"/>
             <p:cNvSpPr txBox="1"/>
             <p:nvPr/>
           </p:nvSpPr>
           <p:spPr>
             <a:xfrm>
-              <a:off x="4474731" y="3010812"/>
-              <a:ext cx="338554" cy="1477328"/>
+              <a:off x="3953217" y="3530124"/>
+              <a:ext cx="1072473" cy="338554"/>
             </a:xfrm>
             <a:prstGeom prst="rect">
               <a:avLst/>
@@ -3848,88 +3702,24 @@
             <a:noFill/>
           </p:spPr>
           <p:txBody>
-            <a:bodyPr vert="eaVert" wrap="square" rtlCol="0">
+            <a:bodyPr wrap="none" rtlCol="0">
               <a:spAutoFit/>
             </a:bodyPr>
             <a:lstStyle/>
             <a:p>
               <a:r>
-                <a:rPr lang="en-US" altLang="zh-CN" sz="1000" dirty="0" err="1" smtClean="0"/>
-                <a:t>Loda</a:t>
+                <a:rPr kumimoji="1" lang="en-US" altLang="zh-CN" sz="1600" dirty="0" smtClean="0">
+                  <a:solidFill>
+                    <a:srgbClr val="0070C0"/>
+                  </a:solidFill>
+                </a:rPr>
+                <a:t>Interactive</a:t>
               </a:r>
-              <a:r>
-                <a:rPr lang="en-US" altLang="zh-CN" sz="1000" dirty="0" smtClean="0"/>
-                <a:t> Metadata</a:t>
-              </a:r>
-              <a:endParaRPr lang="zh-CN" altLang="en-US" sz="1000" dirty="0"/>
-            </a:p>
-          </p:txBody>
-        </p:sp>
-        <p:sp>
-          <p:nvSpPr>
-            <p:cNvPr id="66" name="TextBox 65"/>
-            <p:cNvSpPr txBox="1"/>
-            <p:nvPr/>
-          </p:nvSpPr>
-          <p:spPr>
-            <a:xfrm>
-              <a:off x="6073976" y="2946272"/>
-              <a:ext cx="338554" cy="1477328"/>
-            </a:xfrm>
-            <a:prstGeom prst="rect">
-              <a:avLst/>
-            </a:prstGeom>
-            <a:noFill/>
-          </p:spPr>
-          <p:txBody>
-            <a:bodyPr vert="eaVert" wrap="square" rtlCol="0">
-              <a:spAutoFit/>
-            </a:bodyPr>
-            <a:lstStyle/>
-            <a:p>
-              <a:r>
-                <a:rPr lang="en-US" altLang="zh-CN" sz="1000" dirty="0" err="1" smtClean="0"/>
-                <a:t>Loda</a:t>
-              </a:r>
-              <a:r>
-                <a:rPr lang="en-US" altLang="zh-CN" sz="1000" dirty="0" smtClean="0"/>
-                <a:t> Metadata</a:t>
-              </a:r>
-              <a:endParaRPr lang="zh-CN" altLang="en-US" sz="1000" dirty="0"/>
-            </a:p>
-          </p:txBody>
-        </p:sp>
-        <p:sp>
-          <p:nvSpPr>
-            <p:cNvPr id="67" name="TextBox 66"/>
-            <p:cNvSpPr txBox="1"/>
-            <p:nvPr/>
-          </p:nvSpPr>
-          <p:spPr>
-            <a:xfrm>
-              <a:off x="2890555" y="3016081"/>
-              <a:ext cx="338554" cy="1511476"/>
-            </a:xfrm>
-            <a:prstGeom prst="rect">
-              <a:avLst/>
-            </a:prstGeom>
-            <a:noFill/>
-          </p:spPr>
-          <p:txBody>
-            <a:bodyPr vert="eaVert" wrap="square" rtlCol="0">
-              <a:spAutoFit/>
-            </a:bodyPr>
-            <a:lstStyle/>
-            <a:p>
-              <a:r>
-                <a:rPr lang="en-US" altLang="zh-CN" sz="1000" dirty="0" err="1" smtClean="0"/>
-                <a:t>Loda</a:t>
-              </a:r>
-              <a:r>
-                <a:rPr lang="en-US" altLang="zh-CN" sz="1000" dirty="0" smtClean="0"/>
-                <a:t> Metadata</a:t>
-              </a:r>
-              <a:endParaRPr lang="zh-CN" altLang="en-US" sz="1000" dirty="0"/>
+              <a:endParaRPr kumimoji="1" lang="zh-CN" altLang="en-US" sz="1600" dirty="0">
+                <a:solidFill>
+                  <a:srgbClr val="0070C0"/>
+                </a:solidFill>
+              </a:endParaRPr>
             </a:p>
           </p:txBody>
         </p:sp>
@@ -4559,36 +4349,6 @@
         </p:cxnSp>
         <p:sp>
           <p:nvSpPr>
-            <p:cNvPr id="37" name="TextBox 36"/>
-            <p:cNvSpPr txBox="1"/>
-            <p:nvPr/>
-          </p:nvSpPr>
-          <p:spPr>
-            <a:xfrm>
-              <a:off x="3923928" y="3214137"/>
-              <a:ext cx="353943" cy="574903"/>
-            </a:xfrm>
-            <a:prstGeom prst="rect">
-              <a:avLst/>
-            </a:prstGeom>
-            <a:noFill/>
-          </p:spPr>
-          <p:txBody>
-            <a:bodyPr vert="eaVert" wrap="square" rtlCol="0">
-              <a:spAutoFit/>
-            </a:bodyPr>
-            <a:lstStyle/>
-            <a:p>
-              <a:r>
-                <a:rPr lang="en-US" altLang="zh-CN" sz="1100" dirty="0" smtClean="0"/>
-                <a:t>Mount</a:t>
-              </a:r>
-              <a:endParaRPr lang="zh-CN" altLang="en-US" sz="1100" dirty="0"/>
-            </a:p>
-          </p:txBody>
-        </p:sp>
-        <p:sp>
-          <p:nvSpPr>
             <p:cNvPr id="38" name="TextBox 37"/>
             <p:cNvSpPr txBox="1"/>
             <p:nvPr/>
@@ -4596,36 +4356,6 @@
           <p:spPr>
             <a:xfrm>
               <a:off x="5409026" y="3214137"/>
-              <a:ext cx="353943" cy="574903"/>
-            </a:xfrm>
-            <a:prstGeom prst="rect">
-              <a:avLst/>
-            </a:prstGeom>
-            <a:noFill/>
-          </p:spPr>
-          <p:txBody>
-            <a:bodyPr vert="eaVert" wrap="square" rtlCol="0">
-              <a:spAutoFit/>
-            </a:bodyPr>
-            <a:lstStyle/>
-            <a:p>
-              <a:r>
-                <a:rPr lang="en-US" altLang="zh-CN" sz="1100" dirty="0" smtClean="0"/>
-                <a:t>Mount</a:t>
-              </a:r>
-              <a:endParaRPr lang="zh-CN" altLang="en-US" sz="1100" dirty="0"/>
-            </a:p>
-          </p:txBody>
-        </p:sp>
-        <p:sp>
-          <p:nvSpPr>
-            <p:cNvPr id="39" name="TextBox 38"/>
-            <p:cNvSpPr txBox="1"/>
-            <p:nvPr/>
-          </p:nvSpPr>
-          <p:spPr>
-            <a:xfrm>
-              <a:off x="6935465" y="3214137"/>
               <a:ext cx="353943" cy="574903"/>
             </a:xfrm>
             <a:prstGeom prst="rect">
@@ -5503,7 +5233,11 @@
           <a:p>
             <a:r>
               <a:rPr lang="zh-CN" altLang="en-US" dirty="0" smtClean="0"/>
-              <a:t>分离设计方案</a:t>
+              <a:t>分离</a:t>
+            </a:r>
+            <a:r>
+              <a:rPr lang="zh-CN" altLang="en-US" dirty="0" smtClean="0"/>
+              <a:t>后的交互</a:t>
             </a:r>
             <a:endParaRPr lang="zh-CN" altLang="en-US" dirty="0"/>
           </a:p>
@@ -5995,78 +5729,6 @@
             </a:fontRef>
           </p:style>
         </p:cxnSp>
-        <p:cxnSp>
-          <p:nvCxnSpPr>
-            <p:cNvPr id="39" name="直接箭头连接符 38"/>
-            <p:cNvCxnSpPr>
-              <a:stCxn id="31" idx="2"/>
-              <a:endCxn id="37" idx="0"/>
-            </p:cNvCxnSpPr>
-            <p:nvPr/>
-          </p:nvCxnSpPr>
-          <p:spPr>
-            <a:xfrm>
-              <a:off x="2561941" y="3061661"/>
-              <a:ext cx="6682" cy="1307296"/>
-            </a:xfrm>
-            <a:prstGeom prst="straightConnector1">
-              <a:avLst/>
-            </a:prstGeom>
-            <a:ln>
-              <a:tailEnd type="arrow"/>
-            </a:ln>
-          </p:spPr>
-          <p:style>
-            <a:lnRef idx="1">
-              <a:schemeClr val="accent2"/>
-            </a:lnRef>
-            <a:fillRef idx="0">
-              <a:schemeClr val="accent2"/>
-            </a:fillRef>
-            <a:effectRef idx="0">
-              <a:schemeClr val="accent2"/>
-            </a:effectRef>
-            <a:fontRef idx="minor">
-              <a:schemeClr val="tx1"/>
-            </a:fontRef>
-          </p:style>
-        </p:cxnSp>
-        <p:cxnSp>
-          <p:nvCxnSpPr>
-            <p:cNvPr id="40" name="直接箭头连接符 39"/>
-            <p:cNvCxnSpPr>
-              <a:stCxn id="30" idx="2"/>
-              <a:endCxn id="37" idx="0"/>
-            </p:cNvCxnSpPr>
-            <p:nvPr/>
-          </p:nvCxnSpPr>
-          <p:spPr>
-            <a:xfrm flipH="1">
-              <a:off x="2568623" y="3061661"/>
-              <a:ext cx="4936098" cy="1307296"/>
-            </a:xfrm>
-            <a:prstGeom prst="straightConnector1">
-              <a:avLst/>
-            </a:prstGeom>
-            <a:ln>
-              <a:tailEnd type="arrow"/>
-            </a:ln>
-          </p:spPr>
-          <p:style>
-            <a:lnRef idx="1">
-              <a:schemeClr val="accent2"/>
-            </a:lnRef>
-            <a:fillRef idx="0">
-              <a:schemeClr val="accent2"/>
-            </a:fillRef>
-            <a:effectRef idx="0">
-              <a:schemeClr val="accent2"/>
-            </a:effectRef>
-            <a:fontRef idx="minor">
-              <a:schemeClr val="tx1"/>
-            </a:fontRef>
-          </p:style>
-        </p:cxnSp>
         <p:sp>
           <p:nvSpPr>
             <p:cNvPr id="41" name="TextBox 40"/>
@@ -6075,8 +5737,8 @@
           </p:nvSpPr>
           <p:spPr>
             <a:xfrm>
-              <a:off x="4408585" y="3241350"/>
-              <a:ext cx="1658320" cy="261610"/>
+              <a:off x="4070513" y="3524526"/>
+              <a:ext cx="1938999" cy="261610"/>
             </a:xfrm>
             <a:prstGeom prst="rect">
               <a:avLst/>
@@ -6091,152 +5753,9 @@
             <a:p>
               <a:r>
                 <a:rPr lang="en-US" altLang="zh-CN" sz="1100" dirty="0" smtClean="0"/>
-                <a:t>2. Load Metadata</a:t>
+                <a:t>Load Metadata for UFS load</a:t>
               </a:r>
-            </a:p>
-          </p:txBody>
-        </p:sp>
-        <p:sp>
-          <p:nvSpPr>
-            <p:cNvPr id="42" name="TextBox 41"/>
-            <p:cNvSpPr txBox="1"/>
-            <p:nvPr/>
-          </p:nvSpPr>
-          <p:spPr>
-            <a:xfrm>
-              <a:off x="1732781" y="3315630"/>
-              <a:ext cx="1658320" cy="430887"/>
-            </a:xfrm>
-            <a:prstGeom prst="rect">
-              <a:avLst/>
-            </a:prstGeom>
-            <a:noFill/>
-          </p:spPr>
-          <p:txBody>
-            <a:bodyPr wrap="square" rtlCol="0">
-              <a:spAutoFit/>
-            </a:bodyPr>
-            <a:lstStyle/>
-            <a:p>
-              <a:r>
-                <a:rPr lang="en-US" altLang="zh-CN" sz="1100" dirty="0" smtClean="0"/>
-                <a:t>1. Write data &amp;&amp; </a:t>
-              </a:r>
-              <a:r>
-                <a:rPr lang="en-US" altLang="zh-CN" sz="1100" dirty="0" smtClean="0">
-                  <a:solidFill>
-                    <a:srgbClr val="C00000"/>
-                  </a:solidFill>
-                </a:rPr>
-                <a:t>without</a:t>
-              </a:r>
-              <a:r>
-                <a:rPr lang="en-US" altLang="zh-CN" sz="1100" dirty="0" smtClean="0"/>
-                <a:t> delegation </a:t>
-              </a:r>
-            </a:p>
-          </p:txBody>
-        </p:sp>
-        <p:sp>
-          <p:nvSpPr>
-            <p:cNvPr id="43" name="TextBox 42"/>
-            <p:cNvSpPr txBox="1"/>
-            <p:nvPr/>
-          </p:nvSpPr>
-          <p:spPr>
-            <a:xfrm>
-              <a:off x="5511084" y="3315630"/>
-              <a:ext cx="2269121" cy="261610"/>
-            </a:xfrm>
-            <a:prstGeom prst="rect">
-              <a:avLst/>
-            </a:prstGeom>
-            <a:noFill/>
-          </p:spPr>
-          <p:txBody>
-            <a:bodyPr wrap="square" rtlCol="0">
-              <a:spAutoFit/>
-            </a:bodyPr>
-            <a:lstStyle/>
-            <a:p>
-              <a:r>
-                <a:rPr lang="en-US" altLang="zh-CN" sz="1100" dirty="0" smtClean="0"/>
-                <a:t>3. Write data &amp;&amp; </a:t>
-              </a:r>
-              <a:r>
-                <a:rPr lang="en-US" altLang="zh-CN" sz="1100" dirty="0" smtClean="0">
-                  <a:solidFill>
-                    <a:srgbClr val="C00000"/>
-                  </a:solidFill>
-                </a:rPr>
-                <a:t>with</a:t>
-              </a:r>
-              <a:r>
-                <a:rPr lang="en-US" altLang="zh-CN" sz="1100" dirty="0" smtClean="0"/>
-                <a:t> delegation</a:t>
-              </a:r>
-            </a:p>
-          </p:txBody>
-        </p:sp>
-        <p:cxnSp>
-          <p:nvCxnSpPr>
-            <p:cNvPr id="26" name="直接箭头连接符 25"/>
-            <p:cNvCxnSpPr/>
-            <p:nvPr/>
-          </p:nvCxnSpPr>
-          <p:spPr>
-            <a:xfrm>
-              <a:off x="2568623" y="3061660"/>
-              <a:ext cx="4942780" cy="1307297"/>
-            </a:xfrm>
-            <a:prstGeom prst="straightConnector1">
-              <a:avLst/>
-            </a:prstGeom>
-            <a:ln>
-              <a:tailEnd type="arrow"/>
-            </a:ln>
-          </p:spPr>
-          <p:style>
-            <a:lnRef idx="1">
-              <a:schemeClr val="accent2"/>
-            </a:lnRef>
-            <a:fillRef idx="0">
-              <a:schemeClr val="accent2"/>
-            </a:fillRef>
-            <a:effectRef idx="0">
-              <a:schemeClr val="accent2"/>
-            </a:effectRef>
-            <a:fontRef idx="minor">
-              <a:schemeClr val="tx1"/>
-            </a:fontRef>
-          </p:style>
-        </p:cxnSp>
-        <p:sp>
-          <p:nvSpPr>
-            <p:cNvPr id="27" name="TextBox 26"/>
-            <p:cNvSpPr txBox="1"/>
-            <p:nvPr/>
-          </p:nvSpPr>
-          <p:spPr>
-            <a:xfrm>
-              <a:off x="5655100" y="3843582"/>
-              <a:ext cx="1658320" cy="261610"/>
-            </a:xfrm>
-            <a:prstGeom prst="rect">
-              <a:avLst/>
-            </a:prstGeom>
-            <a:noFill/>
-          </p:spPr>
-          <p:txBody>
-            <a:bodyPr wrap="square" rtlCol="0">
-              <a:spAutoFit/>
-            </a:bodyPr>
-            <a:lstStyle/>
-            <a:p>
-              <a:r>
-                <a:rPr lang="en-US" altLang="zh-CN" sz="1100" dirty="0" smtClean="0"/>
-                <a:t>4. read data</a:t>
-              </a:r>
+              <a:endParaRPr lang="en-US" altLang="zh-CN" sz="1100" dirty="0" smtClean="0"/>
             </a:p>
           </p:txBody>
         </p:sp>

--- a/alluxio/ArC.pptx
+++ b/alluxio/ArC.pptx
@@ -4789,7 +4789,7 @@
           <p:spPr>
             <a:xfrm>
               <a:off x="827584" y="1844824"/>
-              <a:ext cx="1147528" cy="357046"/>
+              <a:ext cx="1147528" cy="338554"/>
             </a:xfrm>
             <a:prstGeom prst="rect">
               <a:avLst/>
@@ -4803,7 +4803,7 @@
             <a:lstStyle/>
             <a:p>
               <a:r>
-                <a:rPr lang="en-US" altLang="zh-CN" dirty="0" smtClean="0">
+                <a:rPr lang="en-US" altLang="zh-CN" sz="1600" dirty="0" smtClean="0">
                   <a:solidFill>
                     <a:schemeClr val="tx2">
                       <a:lumMod val="75000"/>
@@ -4812,7 +4812,7 @@
                 </a:rPr>
                 <a:t>ALLUXIO</a:t>
               </a:r>
-              <a:endParaRPr lang="zh-CN" altLang="en-US" dirty="0">
+              <a:endParaRPr lang="zh-CN" altLang="en-US" sz="1600" dirty="0">
                 <a:solidFill>
                   <a:schemeClr val="tx2">
                     <a:lumMod val="75000"/>
@@ -5226,18 +5226,19 @@
             <p:ph type="title"/>
           </p:nvPr>
         </p:nvSpPr>
-        <p:spPr/>
+        <p:spPr>
+          <a:xfrm>
+            <a:off x="467544" y="332656"/>
+            <a:ext cx="8229600" cy="1143000"/>
+          </a:xfrm>
+        </p:spPr>
         <p:txBody>
           <a:bodyPr/>
           <a:lstStyle/>
           <a:p>
             <a:r>
               <a:rPr lang="zh-CN" altLang="en-US" dirty="0" smtClean="0"/>
-              <a:t>分离</a:t>
-            </a:r>
-            <a:r>
-              <a:rPr lang="zh-CN" altLang="en-US" dirty="0" smtClean="0"/>
-              <a:t>后的交互</a:t>
+              <a:t>分离后的交互</a:t>
             </a:r>
             <a:endParaRPr lang="zh-CN" altLang="en-US" dirty="0"/>
           </a:p>
@@ -5245,7 +5246,7 @@
       </p:sp>
       <p:grpSp>
         <p:nvGrpSpPr>
-          <p:cNvPr id="47" name="组合 46"/>
+          <p:cNvPr id="5" name="组 4"/>
           <p:cNvGrpSpPr/>
           <p:nvPr/>
         </p:nvGrpSpPr>
@@ -5253,476 +5254,556 @@
           <a:xfrm>
             <a:off x="822359" y="2137080"/>
             <a:ext cx="6976991" cy="2880320"/>
-            <a:chOff x="1414413" y="2225651"/>
+            <a:chOff x="822359" y="2137080"/>
             <a:chExt cx="6976991" cy="2880320"/>
           </a:xfrm>
         </p:grpSpPr>
-        <p:sp>
-          <p:nvSpPr>
-            <p:cNvPr id="28" name="矩形 27"/>
-            <p:cNvSpPr/>
+        <p:grpSp>
+          <p:nvGrpSpPr>
+            <p:cNvPr id="47" name="组合 46"/>
+            <p:cNvGrpSpPr/>
             <p:nvPr/>
-          </p:nvSpPr>
-          <p:spPr>
+          </p:nvGrpSpPr>
+          <p:grpSpPr>
             <a:xfrm>
-              <a:off x="1414413" y="2225651"/>
-              <a:ext cx="6976991" cy="1009383"/>
+              <a:off x="822359" y="2137080"/>
+              <a:ext cx="6976991" cy="2880320"/>
+              <a:chOff x="1414413" y="2225651"/>
+              <a:chExt cx="6976991" cy="2880320"/>
             </a:xfrm>
-            <a:prstGeom prst="rect">
-              <a:avLst/>
-            </a:prstGeom>
-            <a:noFill/>
-            <a:ln>
-              <a:solidFill>
-                <a:srgbClr val="0070C0"/>
-              </a:solidFill>
-            </a:ln>
-          </p:spPr>
-          <p:style>
-            <a:lnRef idx="2">
-              <a:schemeClr val="accent1">
-                <a:shade val="50000"/>
-              </a:schemeClr>
-            </a:lnRef>
-            <a:fillRef idx="1">
-              <a:schemeClr val="accent1"/>
-            </a:fillRef>
-            <a:effectRef idx="0">
-              <a:schemeClr val="accent1"/>
-            </a:effectRef>
-            <a:fontRef idx="minor">
-              <a:schemeClr val="lt1"/>
-            </a:fontRef>
-          </p:style>
-          <p:txBody>
-            <a:bodyPr rtlCol="0" anchor="ctr"/>
-            <a:lstStyle/>
-            <a:p>
-              <a:pPr algn="ctr"/>
-              <a:endParaRPr lang="zh-CN" altLang="en-US"/>
-            </a:p>
-          </p:txBody>
-        </p:sp>
-        <p:sp>
-          <p:nvSpPr>
-            <p:cNvPr id="29" name="圆角矩形 28"/>
-            <p:cNvSpPr/>
-            <p:nvPr/>
-          </p:nvSpPr>
-          <p:spPr>
-            <a:xfrm>
-              <a:off x="4377199" y="2582697"/>
-              <a:ext cx="1325628" cy="504692"/>
-            </a:xfrm>
-            <a:prstGeom prst="roundRect">
-              <a:avLst/>
-            </a:prstGeom>
-          </p:spPr>
-          <p:style>
-            <a:lnRef idx="2">
-              <a:schemeClr val="accent1">
-                <a:shade val="50000"/>
-              </a:schemeClr>
-            </a:lnRef>
-            <a:fillRef idx="1">
-              <a:schemeClr val="accent1"/>
-            </a:fillRef>
-            <a:effectRef idx="0">
-              <a:schemeClr val="accent1"/>
-            </a:effectRef>
-            <a:fontRef idx="minor">
-              <a:schemeClr val="lt1"/>
-            </a:fontRef>
-          </p:style>
-          <p:txBody>
-            <a:bodyPr rtlCol="0" anchor="ctr"/>
-            <a:lstStyle/>
-            <a:p>
-              <a:pPr algn="ctr"/>
-              <a:r>
-                <a:rPr lang="en-US" altLang="zh-CN" dirty="0" smtClean="0"/>
-                <a:t>Master</a:t>
-              </a:r>
-              <a:endParaRPr lang="zh-CN" altLang="en-US" dirty="0"/>
-            </a:p>
-          </p:txBody>
-        </p:sp>
-        <p:sp>
-          <p:nvSpPr>
-            <p:cNvPr id="30" name="圆角矩形 29"/>
-            <p:cNvSpPr/>
-            <p:nvPr/>
-          </p:nvSpPr>
-          <p:spPr>
-            <a:xfrm>
-              <a:off x="6841907" y="2556969"/>
-              <a:ext cx="1325628" cy="504692"/>
-            </a:xfrm>
-            <a:prstGeom prst="roundRect">
-              <a:avLst/>
-            </a:prstGeom>
-          </p:spPr>
-          <p:style>
-            <a:lnRef idx="2">
-              <a:schemeClr val="accent1">
-                <a:shade val="50000"/>
-              </a:schemeClr>
-            </a:lnRef>
-            <a:fillRef idx="1">
-              <a:schemeClr val="accent1"/>
-            </a:fillRef>
-            <a:effectRef idx="0">
-              <a:schemeClr val="accent1"/>
-            </a:effectRef>
-            <a:fontRef idx="minor">
-              <a:schemeClr val="lt1"/>
-            </a:fontRef>
-          </p:style>
-          <p:txBody>
-            <a:bodyPr rtlCol="0" anchor="ctr"/>
-            <a:lstStyle/>
-            <a:p>
-              <a:pPr algn="ctr"/>
-              <a:r>
-                <a:rPr lang="en-US" altLang="zh-CN" dirty="0" smtClean="0"/>
-                <a:t>Worker</a:t>
-              </a:r>
-              <a:endParaRPr lang="zh-CN" altLang="en-US" dirty="0"/>
-            </a:p>
-          </p:txBody>
-        </p:sp>
-        <p:sp>
-          <p:nvSpPr>
-            <p:cNvPr id="31" name="圆角矩形 30"/>
-            <p:cNvSpPr/>
-            <p:nvPr/>
-          </p:nvSpPr>
-          <p:spPr>
-            <a:xfrm>
-              <a:off x="1899127" y="2555285"/>
-              <a:ext cx="1325628" cy="506376"/>
-            </a:xfrm>
-            <a:prstGeom prst="roundRect">
-              <a:avLst/>
-            </a:prstGeom>
-          </p:spPr>
-          <p:style>
-            <a:lnRef idx="2">
-              <a:schemeClr val="accent1">
-                <a:shade val="50000"/>
-              </a:schemeClr>
-            </a:lnRef>
-            <a:fillRef idx="1">
-              <a:schemeClr val="accent1"/>
-            </a:fillRef>
-            <a:effectRef idx="0">
-              <a:schemeClr val="accent1"/>
-            </a:effectRef>
-            <a:fontRef idx="minor">
-              <a:schemeClr val="lt1"/>
-            </a:fontRef>
-          </p:style>
-          <p:txBody>
-            <a:bodyPr rtlCol="0" anchor="ctr"/>
-            <a:lstStyle/>
-            <a:p>
-              <a:pPr algn="ctr"/>
-              <a:r>
-                <a:rPr lang="en-US" altLang="zh-CN" dirty="0" smtClean="0"/>
-                <a:t>Client</a:t>
-              </a:r>
-              <a:endParaRPr lang="zh-CN" altLang="en-US" dirty="0"/>
-            </a:p>
-          </p:txBody>
-        </p:sp>
-        <p:sp>
-          <p:nvSpPr>
-            <p:cNvPr id="32" name="矩形 31"/>
-            <p:cNvSpPr/>
-            <p:nvPr/>
-          </p:nvSpPr>
-          <p:spPr>
-            <a:xfrm>
-              <a:off x="1414413" y="4105192"/>
-              <a:ext cx="6976991" cy="1000779"/>
-            </a:xfrm>
-            <a:prstGeom prst="rect">
-              <a:avLst/>
-            </a:prstGeom>
-            <a:noFill/>
-            <a:ln>
-              <a:solidFill>
-                <a:srgbClr val="92D050"/>
-              </a:solidFill>
-            </a:ln>
-          </p:spPr>
-          <p:style>
-            <a:lnRef idx="2">
-              <a:schemeClr val="accent1">
-                <a:shade val="50000"/>
-              </a:schemeClr>
-            </a:lnRef>
-            <a:fillRef idx="1">
-              <a:schemeClr val="accent1"/>
-            </a:fillRef>
-            <a:effectRef idx="0">
-              <a:schemeClr val="accent1"/>
-            </a:effectRef>
-            <a:fontRef idx="minor">
-              <a:schemeClr val="lt1"/>
-            </a:fontRef>
-          </p:style>
-          <p:txBody>
-            <a:bodyPr rtlCol="0" anchor="ctr"/>
-            <a:lstStyle/>
-            <a:p>
-              <a:pPr algn="ctr"/>
-              <a:endParaRPr lang="zh-CN" altLang="en-US"/>
-            </a:p>
-          </p:txBody>
-        </p:sp>
-        <p:sp>
-          <p:nvSpPr>
-            <p:cNvPr id="33" name="圆角矩形 32"/>
-            <p:cNvSpPr/>
-            <p:nvPr/>
-          </p:nvSpPr>
-          <p:spPr>
-            <a:xfrm>
-              <a:off x="6841907" y="4368958"/>
-              <a:ext cx="1325628" cy="473247"/>
-            </a:xfrm>
-            <a:prstGeom prst="roundRect">
-              <a:avLst/>
-            </a:prstGeom>
-          </p:spPr>
-          <p:style>
-            <a:lnRef idx="2">
-              <a:schemeClr val="accent3">
-                <a:shade val="50000"/>
-              </a:schemeClr>
-            </a:lnRef>
-            <a:fillRef idx="1">
-              <a:schemeClr val="accent3"/>
-            </a:fillRef>
-            <a:effectRef idx="0">
-              <a:schemeClr val="accent3"/>
-            </a:effectRef>
-            <a:fontRef idx="minor">
-              <a:schemeClr val="lt1"/>
-            </a:fontRef>
-          </p:style>
-          <p:txBody>
-            <a:bodyPr rtlCol="0" anchor="ctr"/>
-            <a:lstStyle/>
-            <a:p>
-              <a:pPr algn="ctr"/>
-              <a:r>
-                <a:rPr lang="en-US" altLang="zh-CN" dirty="0" err="1" smtClean="0"/>
-                <a:t>DataNode</a:t>
-              </a:r>
-              <a:endParaRPr lang="zh-CN" altLang="en-US" dirty="0"/>
-            </a:p>
-          </p:txBody>
-        </p:sp>
-        <p:sp>
-          <p:nvSpPr>
-            <p:cNvPr id="34" name="圆角矩形 33"/>
-            <p:cNvSpPr/>
-            <p:nvPr/>
-          </p:nvSpPr>
-          <p:spPr>
-            <a:xfrm>
-              <a:off x="4377199" y="4394684"/>
-              <a:ext cx="1325628" cy="473247"/>
-            </a:xfrm>
-            <a:prstGeom prst="roundRect">
-              <a:avLst/>
-            </a:prstGeom>
-          </p:spPr>
-          <p:style>
-            <a:lnRef idx="2">
-              <a:schemeClr val="accent3">
-                <a:shade val="50000"/>
-              </a:schemeClr>
-            </a:lnRef>
-            <a:fillRef idx="1">
-              <a:schemeClr val="accent3"/>
-            </a:fillRef>
-            <a:effectRef idx="0">
-              <a:schemeClr val="accent3"/>
-            </a:effectRef>
-            <a:fontRef idx="minor">
-              <a:schemeClr val="lt1"/>
-            </a:fontRef>
-          </p:style>
-          <p:txBody>
-            <a:bodyPr rtlCol="0" anchor="ctr"/>
-            <a:lstStyle/>
-            <a:p>
-              <a:pPr algn="ctr"/>
-              <a:r>
-                <a:rPr lang="en-US" altLang="zh-CN" dirty="0" err="1" smtClean="0"/>
-                <a:t>NameNode</a:t>
-              </a:r>
-              <a:endParaRPr lang="zh-CN" altLang="en-US" dirty="0"/>
-            </a:p>
-          </p:txBody>
-        </p:sp>
-        <p:sp>
-          <p:nvSpPr>
-            <p:cNvPr id="35" name="TextBox 34"/>
-            <p:cNvSpPr txBox="1"/>
-            <p:nvPr/>
-          </p:nvSpPr>
-          <p:spPr>
-            <a:xfrm>
-              <a:off x="1414413" y="2225651"/>
-              <a:ext cx="1147528" cy="357046"/>
-            </a:xfrm>
-            <a:prstGeom prst="rect">
-              <a:avLst/>
-            </a:prstGeom>
-            <a:noFill/>
-          </p:spPr>
-          <p:txBody>
-            <a:bodyPr wrap="square" rtlCol="0">
-              <a:spAutoFit/>
-            </a:bodyPr>
-            <a:lstStyle/>
-            <a:p>
-              <a:r>
-                <a:rPr lang="en-US" altLang="zh-CN" dirty="0" smtClean="0">
+          </p:grpSpPr>
+          <p:sp>
+            <p:nvSpPr>
+              <p:cNvPr id="28" name="矩形 27"/>
+              <p:cNvSpPr/>
+              <p:nvPr/>
+            </p:nvSpPr>
+            <p:spPr>
+              <a:xfrm>
+                <a:off x="1414413" y="2225651"/>
+                <a:ext cx="6976991" cy="1009383"/>
+              </a:xfrm>
+              <a:prstGeom prst="rect">
+                <a:avLst/>
+              </a:prstGeom>
+              <a:noFill/>
+              <a:ln>
+                <a:solidFill>
+                  <a:srgbClr val="0070C0"/>
+                </a:solidFill>
+              </a:ln>
+            </p:spPr>
+            <p:style>
+              <a:lnRef idx="2">
+                <a:schemeClr val="accent1">
+                  <a:shade val="50000"/>
+                </a:schemeClr>
+              </a:lnRef>
+              <a:fillRef idx="1">
+                <a:schemeClr val="accent1"/>
+              </a:fillRef>
+              <a:effectRef idx="0">
+                <a:schemeClr val="accent1"/>
+              </a:effectRef>
+              <a:fontRef idx="minor">
+                <a:schemeClr val="lt1"/>
+              </a:fontRef>
+            </p:style>
+            <p:txBody>
+              <a:bodyPr rtlCol="0" anchor="ctr"/>
+              <a:lstStyle/>
+              <a:p>
+                <a:pPr algn="ctr"/>
+                <a:endParaRPr lang="zh-CN" altLang="en-US"/>
+              </a:p>
+            </p:txBody>
+          </p:sp>
+          <p:sp>
+            <p:nvSpPr>
+              <p:cNvPr id="29" name="圆角矩形 28"/>
+              <p:cNvSpPr/>
+              <p:nvPr/>
+            </p:nvSpPr>
+            <p:spPr>
+              <a:xfrm>
+                <a:off x="4377199" y="2582697"/>
+                <a:ext cx="1325628" cy="504692"/>
+              </a:xfrm>
+              <a:prstGeom prst="roundRect">
+                <a:avLst/>
+              </a:prstGeom>
+            </p:spPr>
+            <p:style>
+              <a:lnRef idx="2">
+                <a:schemeClr val="accent1">
+                  <a:shade val="50000"/>
+                </a:schemeClr>
+              </a:lnRef>
+              <a:fillRef idx="1">
+                <a:schemeClr val="accent1"/>
+              </a:fillRef>
+              <a:effectRef idx="0">
+                <a:schemeClr val="accent1"/>
+              </a:effectRef>
+              <a:fontRef idx="minor">
+                <a:schemeClr val="lt1"/>
+              </a:fontRef>
+            </p:style>
+            <p:txBody>
+              <a:bodyPr rtlCol="0" anchor="ctr"/>
+              <a:lstStyle/>
+              <a:p>
+                <a:pPr algn="ctr"/>
+                <a:r>
+                  <a:rPr lang="en-US" altLang="zh-CN" dirty="0" smtClean="0"/>
+                  <a:t>Master</a:t>
+                </a:r>
+                <a:endParaRPr lang="zh-CN" altLang="en-US" dirty="0"/>
+              </a:p>
+            </p:txBody>
+          </p:sp>
+          <p:sp>
+            <p:nvSpPr>
+              <p:cNvPr id="30" name="圆角矩形 29"/>
+              <p:cNvSpPr/>
+              <p:nvPr/>
+            </p:nvSpPr>
+            <p:spPr>
+              <a:xfrm>
+                <a:off x="6841907" y="2556969"/>
+                <a:ext cx="1325628" cy="504692"/>
+              </a:xfrm>
+              <a:prstGeom prst="roundRect">
+                <a:avLst/>
+              </a:prstGeom>
+            </p:spPr>
+            <p:style>
+              <a:lnRef idx="2">
+                <a:schemeClr val="accent1">
+                  <a:shade val="50000"/>
+                </a:schemeClr>
+              </a:lnRef>
+              <a:fillRef idx="1">
+                <a:schemeClr val="accent1"/>
+              </a:fillRef>
+              <a:effectRef idx="0">
+                <a:schemeClr val="accent1"/>
+              </a:effectRef>
+              <a:fontRef idx="minor">
+                <a:schemeClr val="lt1"/>
+              </a:fontRef>
+            </p:style>
+            <p:txBody>
+              <a:bodyPr rtlCol="0" anchor="ctr"/>
+              <a:lstStyle/>
+              <a:p>
+                <a:pPr algn="ctr"/>
+                <a:r>
+                  <a:rPr lang="en-US" altLang="zh-CN" dirty="0" smtClean="0"/>
+                  <a:t>Worker</a:t>
+                </a:r>
+                <a:endParaRPr lang="zh-CN" altLang="en-US" dirty="0"/>
+              </a:p>
+            </p:txBody>
+          </p:sp>
+          <p:sp>
+            <p:nvSpPr>
+              <p:cNvPr id="31" name="圆角矩形 30"/>
+              <p:cNvSpPr/>
+              <p:nvPr/>
+            </p:nvSpPr>
+            <p:spPr>
+              <a:xfrm>
+                <a:off x="1899127" y="2555285"/>
+                <a:ext cx="1325628" cy="506376"/>
+              </a:xfrm>
+              <a:prstGeom prst="roundRect">
+                <a:avLst/>
+              </a:prstGeom>
+            </p:spPr>
+            <p:style>
+              <a:lnRef idx="2">
+                <a:schemeClr val="accent1">
+                  <a:shade val="50000"/>
+                </a:schemeClr>
+              </a:lnRef>
+              <a:fillRef idx="1">
+                <a:schemeClr val="accent1"/>
+              </a:fillRef>
+              <a:effectRef idx="0">
+                <a:schemeClr val="accent1"/>
+              </a:effectRef>
+              <a:fontRef idx="minor">
+                <a:schemeClr val="lt1"/>
+              </a:fontRef>
+            </p:style>
+            <p:txBody>
+              <a:bodyPr rtlCol="0" anchor="ctr"/>
+              <a:lstStyle/>
+              <a:p>
+                <a:pPr algn="ctr"/>
+                <a:r>
+                  <a:rPr lang="en-US" altLang="zh-CN" dirty="0" smtClean="0"/>
+                  <a:t>Client</a:t>
+                </a:r>
+                <a:endParaRPr lang="zh-CN" altLang="en-US" dirty="0"/>
+              </a:p>
+            </p:txBody>
+          </p:sp>
+          <p:sp>
+            <p:nvSpPr>
+              <p:cNvPr id="32" name="矩形 31"/>
+              <p:cNvSpPr/>
+              <p:nvPr/>
+            </p:nvSpPr>
+            <p:spPr>
+              <a:xfrm>
+                <a:off x="1414413" y="4105192"/>
+                <a:ext cx="6976991" cy="1000779"/>
+              </a:xfrm>
+              <a:prstGeom prst="rect">
+                <a:avLst/>
+              </a:prstGeom>
+              <a:noFill/>
+              <a:ln>
+                <a:solidFill>
+                  <a:srgbClr val="92D050"/>
+                </a:solidFill>
+              </a:ln>
+            </p:spPr>
+            <p:style>
+              <a:lnRef idx="2">
+                <a:schemeClr val="accent1">
+                  <a:shade val="50000"/>
+                </a:schemeClr>
+              </a:lnRef>
+              <a:fillRef idx="1">
+                <a:schemeClr val="accent1"/>
+              </a:fillRef>
+              <a:effectRef idx="0">
+                <a:schemeClr val="accent1"/>
+              </a:effectRef>
+              <a:fontRef idx="minor">
+                <a:schemeClr val="lt1"/>
+              </a:fontRef>
+            </p:style>
+            <p:txBody>
+              <a:bodyPr rtlCol="0" anchor="ctr"/>
+              <a:lstStyle/>
+              <a:p>
+                <a:pPr algn="ctr"/>
+                <a:endParaRPr lang="zh-CN" altLang="en-US"/>
+              </a:p>
+            </p:txBody>
+          </p:sp>
+          <p:sp>
+            <p:nvSpPr>
+              <p:cNvPr id="33" name="圆角矩形 32"/>
+              <p:cNvSpPr/>
+              <p:nvPr/>
+            </p:nvSpPr>
+            <p:spPr>
+              <a:xfrm>
+                <a:off x="6841907" y="4368958"/>
+                <a:ext cx="1325628" cy="473247"/>
+              </a:xfrm>
+              <a:prstGeom prst="roundRect">
+                <a:avLst/>
+              </a:prstGeom>
+            </p:spPr>
+            <p:style>
+              <a:lnRef idx="2">
+                <a:schemeClr val="accent3">
+                  <a:shade val="50000"/>
+                </a:schemeClr>
+              </a:lnRef>
+              <a:fillRef idx="1">
+                <a:schemeClr val="accent3"/>
+              </a:fillRef>
+              <a:effectRef idx="0">
+                <a:schemeClr val="accent3"/>
+              </a:effectRef>
+              <a:fontRef idx="minor">
+                <a:schemeClr val="lt1"/>
+              </a:fontRef>
+            </p:style>
+            <p:txBody>
+              <a:bodyPr rtlCol="0" anchor="ctr"/>
+              <a:lstStyle/>
+              <a:p>
+                <a:pPr algn="ctr"/>
+                <a:r>
+                  <a:rPr lang="en-US" altLang="zh-CN" dirty="0" err="1" smtClean="0"/>
+                  <a:t>DataNode</a:t>
+                </a:r>
+                <a:endParaRPr lang="zh-CN" altLang="en-US" dirty="0"/>
+              </a:p>
+            </p:txBody>
+          </p:sp>
+          <p:sp>
+            <p:nvSpPr>
+              <p:cNvPr id="34" name="圆角矩形 33"/>
+              <p:cNvSpPr/>
+              <p:nvPr/>
+            </p:nvSpPr>
+            <p:spPr>
+              <a:xfrm>
+                <a:off x="4377199" y="4394684"/>
+                <a:ext cx="1325628" cy="473247"/>
+              </a:xfrm>
+              <a:prstGeom prst="roundRect">
+                <a:avLst/>
+              </a:prstGeom>
+            </p:spPr>
+            <p:style>
+              <a:lnRef idx="2">
+                <a:schemeClr val="accent3">
+                  <a:shade val="50000"/>
+                </a:schemeClr>
+              </a:lnRef>
+              <a:fillRef idx="1">
+                <a:schemeClr val="accent3"/>
+              </a:fillRef>
+              <a:effectRef idx="0">
+                <a:schemeClr val="accent3"/>
+              </a:effectRef>
+              <a:fontRef idx="minor">
+                <a:schemeClr val="lt1"/>
+              </a:fontRef>
+            </p:style>
+            <p:txBody>
+              <a:bodyPr rtlCol="0" anchor="ctr"/>
+              <a:lstStyle/>
+              <a:p>
+                <a:pPr algn="ctr"/>
+                <a:r>
+                  <a:rPr lang="en-US" altLang="zh-CN" dirty="0" err="1" smtClean="0"/>
+                  <a:t>NameNode</a:t>
+                </a:r>
+                <a:endParaRPr lang="zh-CN" altLang="en-US" dirty="0"/>
+              </a:p>
+            </p:txBody>
+          </p:sp>
+          <p:sp>
+            <p:nvSpPr>
+              <p:cNvPr id="35" name="TextBox 34"/>
+              <p:cNvSpPr txBox="1"/>
+              <p:nvPr/>
+            </p:nvSpPr>
+            <p:spPr>
+              <a:xfrm>
+                <a:off x="1414413" y="2225651"/>
+                <a:ext cx="1147528" cy="338554"/>
+              </a:xfrm>
+              <a:prstGeom prst="rect">
+                <a:avLst/>
+              </a:prstGeom>
+              <a:noFill/>
+            </p:spPr>
+            <p:txBody>
+              <a:bodyPr wrap="square" rtlCol="0">
+                <a:spAutoFit/>
+              </a:bodyPr>
+              <a:lstStyle/>
+              <a:p>
+                <a:r>
+                  <a:rPr lang="en-US" altLang="zh-CN" sz="1600" dirty="0" smtClean="0">
+                    <a:solidFill>
+                      <a:schemeClr val="tx2">
+                        <a:lumMod val="75000"/>
+                      </a:schemeClr>
+                    </a:solidFill>
+                  </a:rPr>
+                  <a:t>ALLUXIO</a:t>
+                </a:r>
+                <a:endParaRPr lang="zh-CN" altLang="en-US" sz="1600" dirty="0">
                   <a:solidFill>
                     <a:schemeClr val="tx2">
                       <a:lumMod val="75000"/>
                     </a:schemeClr>
                   </a:solidFill>
-                </a:rPr>
-                <a:t>ALLUXIO</a:t>
-              </a:r>
-              <a:endParaRPr lang="zh-CN" altLang="en-US" dirty="0">
-                <a:solidFill>
-                  <a:schemeClr val="tx2">
-                    <a:lumMod val="75000"/>
-                  </a:schemeClr>
-                </a:solidFill>
-              </a:endParaRPr>
-            </a:p>
-          </p:txBody>
-        </p:sp>
-        <p:sp>
-          <p:nvSpPr>
-            <p:cNvPr id="36" name="TextBox 35"/>
-            <p:cNvSpPr txBox="1"/>
-            <p:nvPr/>
-          </p:nvSpPr>
-          <p:spPr>
-            <a:xfrm>
-              <a:off x="1421095" y="4105192"/>
-              <a:ext cx="1147528" cy="357046"/>
-            </a:xfrm>
-            <a:prstGeom prst="rect">
-              <a:avLst/>
-            </a:prstGeom>
-            <a:noFill/>
-          </p:spPr>
-          <p:txBody>
-            <a:bodyPr wrap="square" rtlCol="0">
-              <a:spAutoFit/>
-            </a:bodyPr>
-            <a:lstStyle/>
-            <a:p>
-              <a:r>
-                <a:rPr lang="en-US" altLang="zh-CN" dirty="0" smtClean="0">
+                </a:endParaRPr>
+              </a:p>
+            </p:txBody>
+          </p:sp>
+          <p:sp>
+            <p:nvSpPr>
+              <p:cNvPr id="36" name="TextBox 35"/>
+              <p:cNvSpPr txBox="1"/>
+              <p:nvPr/>
+            </p:nvSpPr>
+            <p:spPr>
+              <a:xfrm>
+                <a:off x="1421095" y="4105192"/>
+                <a:ext cx="1147528" cy="357046"/>
+              </a:xfrm>
+              <a:prstGeom prst="rect">
+                <a:avLst/>
+              </a:prstGeom>
+              <a:noFill/>
+            </p:spPr>
+            <p:txBody>
+              <a:bodyPr wrap="square" rtlCol="0">
+                <a:spAutoFit/>
+              </a:bodyPr>
+              <a:lstStyle/>
+              <a:p>
+                <a:r>
+                  <a:rPr lang="en-US" altLang="zh-CN" dirty="0" smtClean="0">
+                    <a:solidFill>
+                      <a:srgbClr val="4C7D33"/>
+                    </a:solidFill>
+                  </a:rPr>
+                  <a:t>HDFS</a:t>
+                </a:r>
+                <a:endParaRPr lang="zh-CN" altLang="en-US" dirty="0">
                   <a:solidFill>
                     <a:srgbClr val="4C7D33"/>
                   </a:solidFill>
-                </a:rPr>
-                <a:t>HDFS</a:t>
-              </a:r>
-              <a:endParaRPr lang="zh-CN" altLang="en-US" dirty="0">
-                <a:solidFill>
-                  <a:srgbClr val="4C7D33"/>
-                </a:solidFill>
-              </a:endParaRPr>
-            </a:p>
-          </p:txBody>
-        </p:sp>
-        <p:sp>
-          <p:nvSpPr>
-            <p:cNvPr id="37" name="圆角矩形 36"/>
-            <p:cNvSpPr/>
-            <p:nvPr/>
-          </p:nvSpPr>
-          <p:spPr>
-            <a:xfrm>
-              <a:off x="1905809" y="4368957"/>
-              <a:ext cx="1325628" cy="473247"/>
-            </a:xfrm>
-            <a:prstGeom prst="roundRect">
-              <a:avLst/>
-            </a:prstGeom>
-          </p:spPr>
-          <p:style>
-            <a:lnRef idx="2">
-              <a:schemeClr val="accent3">
-                <a:shade val="50000"/>
-              </a:schemeClr>
-            </a:lnRef>
-            <a:fillRef idx="1">
-              <a:schemeClr val="accent3"/>
-            </a:fillRef>
-            <a:effectRef idx="0">
-              <a:schemeClr val="accent3"/>
-            </a:effectRef>
-            <a:fontRef idx="minor">
-              <a:schemeClr val="lt1"/>
-            </a:fontRef>
-          </p:style>
-          <p:txBody>
-            <a:bodyPr rtlCol="0" anchor="ctr"/>
-            <a:lstStyle/>
-            <a:p>
-              <a:pPr algn="ctr"/>
-              <a:r>
-                <a:rPr lang="en-US" altLang="zh-CN" dirty="0" smtClean="0"/>
-                <a:t>Client</a:t>
-              </a:r>
-              <a:endParaRPr lang="zh-CN" altLang="en-US" dirty="0"/>
-            </a:p>
-          </p:txBody>
-        </p:sp>
+                </a:endParaRPr>
+              </a:p>
+            </p:txBody>
+          </p:sp>
+          <p:sp>
+            <p:nvSpPr>
+              <p:cNvPr id="37" name="圆角矩形 36"/>
+              <p:cNvSpPr/>
+              <p:nvPr/>
+            </p:nvSpPr>
+            <p:spPr>
+              <a:xfrm>
+                <a:off x="1905809" y="4368957"/>
+                <a:ext cx="1325628" cy="473247"/>
+              </a:xfrm>
+              <a:prstGeom prst="roundRect">
+                <a:avLst/>
+              </a:prstGeom>
+            </p:spPr>
+            <p:style>
+              <a:lnRef idx="2">
+                <a:schemeClr val="accent3">
+                  <a:shade val="50000"/>
+                </a:schemeClr>
+              </a:lnRef>
+              <a:fillRef idx="1">
+                <a:schemeClr val="accent3"/>
+              </a:fillRef>
+              <a:effectRef idx="0">
+                <a:schemeClr val="accent3"/>
+              </a:effectRef>
+              <a:fontRef idx="minor">
+                <a:schemeClr val="lt1"/>
+              </a:fontRef>
+            </p:style>
+            <p:txBody>
+              <a:bodyPr rtlCol="0" anchor="ctr"/>
+              <a:lstStyle/>
+              <a:p>
+                <a:pPr algn="ctr"/>
+                <a:r>
+                  <a:rPr lang="en-US" altLang="zh-CN" dirty="0" smtClean="0"/>
+                  <a:t>Client</a:t>
+                </a:r>
+                <a:endParaRPr lang="zh-CN" altLang="en-US" dirty="0"/>
+              </a:p>
+            </p:txBody>
+          </p:sp>
+          <p:cxnSp>
+            <p:nvCxnSpPr>
+              <p:cNvPr id="38" name="直接箭头连接符 37"/>
+              <p:cNvCxnSpPr>
+                <a:stCxn id="29" idx="2"/>
+                <a:endCxn id="34" idx="0"/>
+              </p:cNvCxnSpPr>
+              <p:nvPr/>
+            </p:nvCxnSpPr>
+            <p:spPr>
+              <a:xfrm>
+                <a:off x="5040013" y="3087389"/>
+                <a:ext cx="0" cy="1307295"/>
+              </a:xfrm>
+              <a:prstGeom prst="straightConnector1">
+                <a:avLst/>
+              </a:prstGeom>
+              <a:ln>
+                <a:tailEnd type="arrow"/>
+              </a:ln>
+            </p:spPr>
+            <p:style>
+              <a:lnRef idx="1">
+                <a:schemeClr val="accent2"/>
+              </a:lnRef>
+              <a:fillRef idx="0">
+                <a:schemeClr val="accent2"/>
+              </a:fillRef>
+              <a:effectRef idx="0">
+                <a:schemeClr val="accent2"/>
+              </a:effectRef>
+              <a:fontRef idx="minor">
+                <a:schemeClr val="tx1"/>
+              </a:fontRef>
+            </p:style>
+          </p:cxnSp>
+          <p:sp>
+            <p:nvSpPr>
+              <p:cNvPr id="41" name="TextBox 40"/>
+              <p:cNvSpPr txBox="1"/>
+              <p:nvPr/>
+            </p:nvSpPr>
+            <p:spPr>
+              <a:xfrm>
+                <a:off x="4194554" y="3312277"/>
+                <a:ext cx="1938999" cy="261610"/>
+              </a:xfrm>
+              <a:prstGeom prst="rect">
+                <a:avLst/>
+              </a:prstGeom>
+              <a:noFill/>
+            </p:spPr>
+            <p:txBody>
+              <a:bodyPr wrap="square" rtlCol="0">
+                <a:spAutoFit/>
+              </a:bodyPr>
+              <a:lstStyle/>
+              <a:p>
+                <a:r>
+                  <a:rPr lang="en-US" altLang="zh-CN" sz="1100" dirty="0" smtClean="0"/>
+                  <a:t>Load Metadata for UFS load</a:t>
+                </a:r>
+              </a:p>
+            </p:txBody>
+          </p:sp>
+        </p:grpSp>
         <p:cxnSp>
           <p:nvCxnSpPr>
-            <p:cNvPr id="38" name="直接箭头连接符 37"/>
+            <p:cNvPr id="4" name="直线箭头连接符 3"/>
             <p:cNvCxnSpPr>
-              <a:stCxn id="29" idx="2"/>
-              <a:endCxn id="34" idx="0"/>
+              <a:stCxn id="31" idx="2"/>
+              <a:endCxn id="33" idx="0"/>
             </p:cNvCxnSpPr>
             <p:nvPr/>
           </p:nvCxnSpPr>
           <p:spPr>
             <a:xfrm>
-              <a:off x="5040013" y="3087389"/>
-              <a:ext cx="0" cy="1307295"/>
+              <a:off x="1969887" y="2973090"/>
+              <a:ext cx="4942780" cy="1307297"/>
             </a:xfrm>
             <a:prstGeom prst="straightConnector1">
               <a:avLst/>
             </a:prstGeom>
             <a:ln>
-              <a:tailEnd type="arrow"/>
+              <a:tailEnd type="triangle"/>
             </a:ln>
           </p:spPr>
           <p:style>
             <a:lnRef idx="1">
-              <a:schemeClr val="accent2"/>
+              <a:schemeClr val="accent1"/>
             </a:lnRef>
             <a:fillRef idx="0">
-              <a:schemeClr val="accent2"/>
+              <a:schemeClr val="accent1"/>
             </a:fillRef>
             <a:effectRef idx="0">
-              <a:schemeClr val="accent2"/>
+              <a:schemeClr val="accent1"/>
             </a:effectRef>
             <a:fontRef idx="minor">
               <a:schemeClr val="tx1"/>
@@ -5731,13 +5812,13 @@
         </p:cxnSp>
         <p:sp>
           <p:nvSpPr>
-            <p:cNvPr id="41" name="TextBox 40"/>
+            <p:cNvPr id="18" name="TextBox 40"/>
             <p:cNvSpPr txBox="1"/>
             <p:nvPr/>
           </p:nvSpPr>
           <p:spPr>
             <a:xfrm>
-              <a:off x="4070513" y="3524526"/>
+              <a:off x="5520437" y="3702670"/>
               <a:ext cx="1938999" cy="261610"/>
             </a:xfrm>
             <a:prstGeom prst="rect">
@@ -5752,8 +5833,8 @@
             <a:lstStyle/>
             <a:p>
               <a:r>
-                <a:rPr lang="en-US" altLang="zh-CN" sz="1100" dirty="0" smtClean="0"/>
-                <a:t>Load Metadata for UFS load</a:t>
+                <a:rPr lang="en-US" altLang="zh-CN" sz="1100" smtClean="0"/>
+                <a:t>ReadBlockData</a:t>
               </a:r>
               <a:endParaRPr lang="en-US" altLang="zh-CN" sz="1100" dirty="0" smtClean="0"/>
             </a:p>
